--- a/9월17일/R데이터수집(동적&정적).pptx
+++ b/9월17일/R데이터수집(동적&정적).pptx
@@ -259,7 +259,7 @@
           <a:p>
             <a:fld id="{9732970F-6D66-4764-B324-DC4D988F38F7}" type="datetimeFigureOut">
               <a:rPr lang="ko-KR" altLang="en-US" smtClean="0"/>
-              <a:t>2020-09-17</a:t>
+              <a:t>2020-09-18</a:t>
             </a:fld>
             <a:endParaRPr lang="ko-KR" altLang="en-US"/>
           </a:p>
@@ -655,7 +655,7 @@
           <a:p>
             <a:fld id="{D4197D4F-4120-46D1-92DA-E2BF15C423FD}" type="datetime1">
               <a:rPr lang="ko-KR" altLang="en-US" smtClean="0"/>
-              <a:t>2020-09-17</a:t>
+              <a:t>2020-09-18</a:t>
             </a:fld>
             <a:endParaRPr lang="ko-KR" altLang="en-US"/>
           </a:p>
@@ -823,7 +823,7 @@
           <a:p>
             <a:fld id="{98FE1F87-36AA-46EE-9198-C02FE6E93DC3}" type="datetime1">
               <a:rPr lang="ko-KR" altLang="en-US" smtClean="0"/>
-              <a:t>2020-09-17</a:t>
+              <a:t>2020-09-18</a:t>
             </a:fld>
             <a:endParaRPr lang="ko-KR" altLang="en-US"/>
           </a:p>
@@ -1001,7 +1001,7 @@
           <a:p>
             <a:fld id="{A7A2E096-B694-4E50-82D0-E8B975C99E35}" type="datetime1">
               <a:rPr lang="ko-KR" altLang="en-US" smtClean="0"/>
-              <a:t>2020-09-17</a:t>
+              <a:t>2020-09-18</a:t>
             </a:fld>
             <a:endParaRPr lang="ko-KR" altLang="en-US"/>
           </a:p>
@@ -1169,7 +1169,7 @@
           <a:p>
             <a:fld id="{AE1EC996-76B7-4C1D-B6F3-028521A660BC}" type="datetime1">
               <a:rPr lang="ko-KR" altLang="en-US" smtClean="0"/>
-              <a:t>2020-09-17</a:t>
+              <a:t>2020-09-18</a:t>
             </a:fld>
             <a:endParaRPr lang="ko-KR" altLang="en-US"/>
           </a:p>
@@ -1414,7 +1414,7 @@
           <a:p>
             <a:fld id="{E9FDFB03-1B84-4B6C-80FD-3BFC2D247AF1}" type="datetime1">
               <a:rPr lang="ko-KR" altLang="en-US" smtClean="0"/>
-              <a:t>2020-09-17</a:t>
+              <a:t>2020-09-18</a:t>
             </a:fld>
             <a:endParaRPr lang="ko-KR" altLang="en-US"/>
           </a:p>
@@ -1643,7 +1643,7 @@
           <a:p>
             <a:fld id="{693AE26F-9D25-4BC7-8734-A495C8FBF4F3}" type="datetime1">
               <a:rPr lang="ko-KR" altLang="en-US" smtClean="0"/>
-              <a:t>2020-09-17</a:t>
+              <a:t>2020-09-18</a:t>
             </a:fld>
             <a:endParaRPr lang="ko-KR" altLang="en-US"/>
           </a:p>
@@ -2007,7 +2007,7 @@
           <a:p>
             <a:fld id="{ACD1A4DD-FC06-4AE7-95F1-966AF228BCE6}" type="datetime1">
               <a:rPr lang="ko-KR" altLang="en-US" smtClean="0"/>
-              <a:t>2020-09-17</a:t>
+              <a:t>2020-09-18</a:t>
             </a:fld>
             <a:endParaRPr lang="ko-KR" altLang="en-US"/>
           </a:p>
@@ -2124,7 +2124,7 @@
           <a:p>
             <a:fld id="{83871ECC-321E-4702-9237-33FDE8481684}" type="datetime1">
               <a:rPr lang="ko-KR" altLang="en-US" smtClean="0"/>
-              <a:t>2020-09-17</a:t>
+              <a:t>2020-09-18</a:t>
             </a:fld>
             <a:endParaRPr lang="ko-KR" altLang="en-US"/>
           </a:p>
@@ -2219,7 +2219,7 @@
           <a:p>
             <a:fld id="{22524C42-B7E0-4BE1-9E9F-D096EDE60712}" type="datetime1">
               <a:rPr lang="ko-KR" altLang="en-US" smtClean="0"/>
-              <a:t>2020-09-17</a:t>
+              <a:t>2020-09-18</a:t>
             </a:fld>
             <a:endParaRPr lang="ko-KR" altLang="en-US"/>
           </a:p>
@@ -2494,7 +2494,7 @@
           <a:p>
             <a:fld id="{B24E679D-AD04-4CE6-8102-B23E3EEF5A2E}" type="datetime1">
               <a:rPr lang="ko-KR" altLang="en-US" smtClean="0"/>
-              <a:t>2020-09-17</a:t>
+              <a:t>2020-09-18</a:t>
             </a:fld>
             <a:endParaRPr lang="ko-KR" altLang="en-US"/>
           </a:p>
@@ -2746,7 +2746,7 @@
           <a:p>
             <a:fld id="{F2A3C339-28D8-4EC8-963E-882BF7BED511}" type="datetime1">
               <a:rPr lang="ko-KR" altLang="en-US" smtClean="0"/>
-              <a:t>2020-09-17</a:t>
+              <a:t>2020-09-18</a:t>
             </a:fld>
             <a:endParaRPr lang="ko-KR" altLang="en-US"/>
           </a:p>
@@ -2957,7 +2957,7 @@
           <a:p>
             <a:fld id="{33E5C744-6EA0-4F2B-A61B-5A0B2F427327}" type="datetime1">
               <a:rPr lang="ko-KR" altLang="en-US" smtClean="0"/>
-              <a:t>2020-09-17</a:t>
+              <a:t>2020-09-18</a:t>
             </a:fld>
             <a:endParaRPr lang="ko-KR" altLang="en-US"/>
           </a:p>
@@ -14642,8 +14642,8 @@
         </p:nvSpPr>
         <p:spPr>
           <a:xfrm>
-            <a:off x="799456" y="1608433"/>
-            <a:ext cx="8176827" cy="3693319"/>
+            <a:off x="490932" y="1559602"/>
+            <a:ext cx="8176827" cy="3657604"/>
           </a:xfrm>
           <a:prstGeom prst="rect">
             <a:avLst/>
@@ -14928,22 +14928,86 @@
             </a:r>
           </a:p>
           <a:p>
-            <a:pPr>
-              <a:lnSpc>
-                <a:spcPct val="150000"/>
-              </a:lnSpc>
-            </a:pPr>
-            <a:r>
-              <a:rPr lang="en-US" altLang="ko-KR" sz="1200" dirty="0">
-                <a:latin typeface="+mn-ea"/>
-              </a:rPr>
-              <a:t>(1) selenium-server-standalone-master.zip, chromedriver.exe </a:t>
+            <a:pPr marL="228600" indent="-228600">
+              <a:lnSpc>
+                <a:spcPct val="150000"/>
+              </a:lnSpc>
+              <a:buAutoNum type="arabicParenBoth"/>
+            </a:pPr>
+            <a:r>
+              <a:rPr lang="en-US" altLang="ko-KR" sz="1200" b="1" dirty="0">
+                <a:solidFill>
+                  <a:srgbClr val="FF0000"/>
+                </a:solidFill>
+              </a:rPr>
+              <a:t>selenium-server-standalone-4.0.0-alpha-1.jar</a:t>
+            </a:r>
+            <a:r>
+              <a:rPr lang="en-US" altLang="ko-KR" sz="1200" dirty="0">
+                <a:latin typeface="+mn-ea"/>
+              </a:rPr>
+              <a:t>, </a:t>
+            </a:r>
+            <a:r>
+              <a:rPr lang="en-US" altLang="ko-KR" sz="1200" b="1" dirty="0">
+                <a:solidFill>
+                  <a:srgbClr val="FF0000"/>
+                </a:solidFill>
+                <a:latin typeface="+mn-ea"/>
+              </a:rPr>
+              <a:t>chromedriver.exe </a:t>
             </a:r>
             <a:r>
               <a:rPr lang="ko-KR" altLang="en-US" sz="1200" dirty="0">
                 <a:latin typeface="+mn-ea"/>
               </a:rPr>
-              <a:t>를 복사한다</a:t>
+              <a:t>를 네이버 클라우드</a:t>
+            </a:r>
+            <a:endParaRPr lang="en-US" altLang="ko-KR" sz="1200" dirty="0">
+              <a:latin typeface="+mn-ea"/>
+            </a:endParaRPr>
+          </a:p>
+          <a:p>
+            <a:pPr>
+              <a:lnSpc>
+                <a:spcPct val="150000"/>
+              </a:lnSpc>
+            </a:pPr>
+            <a:r>
+              <a:rPr lang="en-US" altLang="ko-KR" sz="1200" dirty="0">
+                <a:latin typeface="+mn-ea"/>
+              </a:rPr>
+              <a:t>   </a:t>
+            </a:r>
+            <a:r>
+              <a:rPr lang="ko-KR" altLang="en-US" sz="1200" dirty="0">
+                <a:latin typeface="+mn-ea"/>
+              </a:rPr>
+              <a:t>에서</a:t>
+            </a:r>
+            <a:r>
+              <a:rPr lang="en-US" altLang="ko-KR" sz="1200" dirty="0">
+                <a:latin typeface="+mn-ea"/>
+              </a:rPr>
+              <a:t> </a:t>
+            </a:r>
+            <a:r>
+              <a:rPr lang="ko-KR" altLang="en-US" sz="1200" dirty="0">
+                <a:latin typeface="+mn-ea"/>
+              </a:rPr>
+              <a:t>다운로드 하여 </a:t>
+            </a:r>
+            <a:r>
+              <a:rPr lang="en-US" altLang="ko-KR" sz="1200" dirty="0">
+                <a:latin typeface="+mn-ea"/>
+              </a:rPr>
+              <a:t>c:\Rexam\selenium </a:t>
+            </a:r>
+            <a:r>
+              <a:rPr lang="ko-KR" altLang="en-US" sz="1200" dirty="0">
+                <a:latin typeface="+mn-ea"/>
+              </a:rPr>
+              <a:t>폴더에 저장한다</a:t>
             </a:r>
             <a:r>
               <a:rPr lang="en-US" altLang="ko-KR" sz="1200" dirty="0">
@@ -14965,90 +15029,61 @@
               <a:t>(2) </a:t>
             </a:r>
             <a:r>
+              <a:rPr lang="en-US" altLang="ko-KR" sz="1200" b="1" dirty="0">
+                <a:solidFill>
+                  <a:srgbClr val="FF0000"/>
+                </a:solidFill>
+              </a:rPr>
+              <a:t>selenium-server-standalone-4.0.0-alpha-1.jar</a:t>
+            </a:r>
+            <a:r>
+              <a:rPr lang="en-US" altLang="ko-KR" sz="1200" dirty="0">
+                <a:latin typeface="+mn-ea"/>
+              </a:rPr>
+              <a:t>, </a:t>
+            </a:r>
+            <a:r>
+              <a:rPr lang="en-US" altLang="ko-KR" sz="1200" b="1" dirty="0">
+                <a:solidFill>
+                  <a:srgbClr val="FF0000"/>
+                </a:solidFill>
+                <a:latin typeface="+mn-ea"/>
+              </a:rPr>
+              <a:t>chromedriver.exe </a:t>
+            </a:r>
+            <a:r>
               <a:rPr lang="ko-KR" altLang="en-US" sz="1200" dirty="0">
                 <a:latin typeface="+mn-ea"/>
               </a:rPr>
-              <a:t>적당한 </a:t>
+              <a:t>를 </a:t>
             </a:r>
             <a:r>
               <a:rPr lang="ko-KR" altLang="en-US" sz="1200" dirty="0" err="1">
                 <a:latin typeface="+mn-ea"/>
               </a:rPr>
-              <a:t>디렉토리에</a:t>
+              <a:t>동일폴더에</a:t>
             </a:r>
             <a:r>
               <a:rPr lang="ko-KR" altLang="en-US" sz="1200" dirty="0">
                 <a:latin typeface="+mn-ea"/>
               </a:rPr>
-              <a:t> </a:t>
-            </a:r>
-            <a:r>
-              <a:rPr lang="en-US" altLang="ko-KR" sz="1200" dirty="0">
-                <a:latin typeface="+mn-ea"/>
-              </a:rPr>
-              <a:t>selenium-server-standalone-master.zip </a:t>
-            </a:r>
-            <a:r>
-              <a:rPr lang="ko-KR" altLang="en-US" sz="1200" dirty="0">
-                <a:latin typeface="+mn-ea"/>
-              </a:rPr>
-              <a:t>파일의 압축을 푼다</a:t>
-            </a:r>
-          </a:p>
-          <a:p>
-            <a:pPr>
-              <a:lnSpc>
-                <a:spcPct val="150000"/>
-              </a:lnSpc>
-            </a:pPr>
-            <a:r>
-              <a:rPr lang="en-US" altLang="ko-KR" sz="1200" dirty="0">
-                <a:latin typeface="+mn-ea"/>
-              </a:rPr>
-              <a:t>(3) bin </a:t>
-            </a:r>
-            <a:r>
-              <a:rPr lang="ko-KR" altLang="en-US" sz="1200" dirty="0" err="1">
-                <a:latin typeface="+mn-ea"/>
-              </a:rPr>
-              <a:t>디렉토리</a:t>
-            </a:r>
-            <a:r>
-              <a:rPr lang="ko-KR" altLang="en-US" sz="1200" dirty="0">
-                <a:latin typeface="+mn-ea"/>
-              </a:rPr>
-              <a:t> 안에 </a:t>
-            </a:r>
-            <a:r>
-              <a:rPr lang="en-US" altLang="ko-KR" sz="1200" dirty="0">
-                <a:latin typeface="+mn-ea"/>
-              </a:rPr>
-              <a:t>chromedriver.exe </a:t>
-            </a:r>
-            <a:r>
-              <a:rPr lang="ko-KR" altLang="en-US" sz="1200" dirty="0">
-                <a:latin typeface="+mn-ea"/>
-              </a:rPr>
-              <a:t>를 복사한다</a:t>
-            </a:r>
-            <a:r>
-              <a:rPr lang="en-US" altLang="ko-KR" sz="1200" dirty="0">
-                <a:latin typeface="+mn-ea"/>
-              </a:rPr>
-              <a:t>.</a:t>
-            </a:r>
-          </a:p>
-          <a:p>
-            <a:pPr>
-              <a:lnSpc>
-                <a:spcPct val="150000"/>
-              </a:lnSpc>
-            </a:pPr>
-            <a:r>
-              <a:rPr lang="en-US" altLang="ko-KR" sz="1200" dirty="0">
-                <a:latin typeface="+mn-ea"/>
-              </a:rPr>
-              <a:t>(4) Selenium </a:t>
+              <a:t> 저장</a:t>
+            </a:r>
+            <a:endParaRPr lang="en-US" altLang="ko-KR" sz="1200" dirty="0">
+              <a:latin typeface="+mn-ea"/>
+            </a:endParaRPr>
+          </a:p>
+          <a:p>
+            <a:pPr>
+              <a:lnSpc>
+                <a:spcPct val="150000"/>
+              </a:lnSpc>
+            </a:pPr>
+            <a:r>
+              <a:rPr lang="en-US" altLang="ko-KR" sz="1200" dirty="0">
+                <a:latin typeface="+mn-ea"/>
+              </a:rPr>
+              <a:t>(3) Selenium </a:t>
             </a:r>
             <a:r>
               <a:rPr lang="ko-KR" altLang="en-US" sz="1200" dirty="0">
@@ -15103,7 +15138,7 @@
         </p:nvSpPr>
         <p:spPr>
           <a:xfrm>
-            <a:off x="799456" y="5380074"/>
+            <a:off x="601800" y="5473155"/>
             <a:ext cx="8572140" cy="276999"/>
           </a:xfrm>
           <a:prstGeom prst="rect">
@@ -15163,13 +15198,13 @@
         </p:nvSpPr>
         <p:spPr>
           <a:xfrm>
-            <a:off x="7115175" y="3305175"/>
-            <a:ext cx="2446921" cy="1743076"/>
+            <a:off x="6823075" y="3388404"/>
+            <a:ext cx="3082925" cy="1743076"/>
           </a:xfrm>
           <a:prstGeom prst="borderCallout1">
             <a:avLst>
-              <a:gd name="adj1" fmla="val 18750"/>
-              <a:gd name="adj2" fmla="val -8333"/>
+              <a:gd name="adj1" fmla="val 100353"/>
+              <a:gd name="adj2" fmla="val -506"/>
               <a:gd name="adj3" fmla="val 120167"/>
               <a:gd name="adj4" fmla="val -42410"/>
             </a:avLst>
@@ -15875,62 +15910,71 @@
               <a:t> &lt;- </a:t>
             </a:r>
             <a:r>
-              <a:rPr lang="en-US" altLang="ko-KR" sz="1200" dirty="0" err="1">
+              <a:rPr lang="en-US" altLang="ko-KR" sz="1200" b="1" dirty="0" err="1">
+                <a:solidFill>
+                  <a:srgbClr val="FF0000"/>
+                </a:solidFill>
                 <a:latin typeface="+mn-ea"/>
               </a:rPr>
               <a:t>remoteDriver</a:t>
             </a:r>
             <a:r>
-              <a:rPr lang="en-US" altLang="ko-KR" sz="1200" dirty="0">
+              <a:rPr lang="en-US" altLang="ko-KR" sz="1200" b="1" dirty="0">
+                <a:solidFill>
+                  <a:srgbClr val="FF0000"/>
+                </a:solidFill>
                 <a:latin typeface="+mn-ea"/>
               </a:rPr>
               <a:t>(</a:t>
             </a:r>
             <a:r>
-              <a:rPr lang="en-US" altLang="ko-KR" sz="1200" dirty="0" err="1">
+              <a:rPr lang="en-US" altLang="ko-KR" sz="1200" b="1" dirty="0" err="1">
+                <a:solidFill>
+                  <a:srgbClr val="FF0000"/>
+                </a:solidFill>
                 <a:latin typeface="+mn-ea"/>
               </a:rPr>
               <a:t>remoteServerAddr</a:t>
             </a:r>
             <a:r>
-              <a:rPr lang="en-US" altLang="ko-KR" sz="1200" dirty="0">
-                <a:latin typeface="+mn-ea"/>
-              </a:rPr>
-              <a:t> = "</a:t>
-            </a:r>
-            <a:r>
-              <a:rPr lang="en-US" altLang="ko-KR" sz="1200" dirty="0" err="1">
-                <a:latin typeface="+mn-ea"/>
-              </a:rPr>
-              <a:t>localhost</a:t>
-            </a:r>
-            <a:r>
-              <a:rPr lang="en-US" altLang="ko-KR" sz="1200" dirty="0">
-                <a:latin typeface="+mn-ea"/>
-              </a:rPr>
-              <a:t>" , </a:t>
-            </a:r>
-          </a:p>
-          <a:p>
-            <a:pPr>
-              <a:lnSpc>
-                <a:spcPct val="150000"/>
-              </a:lnSpc>
-            </a:pPr>
-            <a:r>
-              <a:rPr lang="en-US" altLang="ko-KR" sz="1200" dirty="0">
+              <a:rPr lang="en-US" altLang="ko-KR" sz="1200" b="1" dirty="0">
+                <a:solidFill>
+                  <a:srgbClr val="FF0000"/>
+                </a:solidFill>
+                <a:latin typeface="+mn-ea"/>
+              </a:rPr>
+              <a:t> = "localhost" , </a:t>
+            </a:r>
+          </a:p>
+          <a:p>
+            <a:pPr>
+              <a:lnSpc>
+                <a:spcPct val="150000"/>
+              </a:lnSpc>
+            </a:pPr>
+            <a:r>
+              <a:rPr lang="en-US" altLang="ko-KR" sz="1200" b="1" dirty="0">
+                <a:solidFill>
+                  <a:srgbClr val="FF0000"/>
+                </a:solidFill>
                 <a:latin typeface="+mn-ea"/>
               </a:rPr>
               <a:t>             port = 4445, </a:t>
             </a:r>
             <a:r>
-              <a:rPr lang="en-US" altLang="ko-KR" sz="1200" dirty="0" err="1">
+              <a:rPr lang="en-US" altLang="ko-KR" sz="1200" b="1" dirty="0" err="1">
+                <a:solidFill>
+                  <a:srgbClr val="FF0000"/>
+                </a:solidFill>
                 <a:latin typeface="+mn-ea"/>
               </a:rPr>
               <a:t>browserName</a:t>
             </a:r>
             <a:r>
-              <a:rPr lang="en-US" altLang="ko-KR" sz="1200" dirty="0">
+              <a:rPr lang="en-US" altLang="ko-KR" sz="1200" b="1" dirty="0">
+                <a:solidFill>
+                  <a:srgbClr val="FF0000"/>
+                </a:solidFill>
                 <a:latin typeface="+mn-ea"/>
               </a:rPr>
               <a:t> = "chrome")</a:t>
@@ -16814,14 +16858,14 @@
           <p:nvPr>
             <p:extLst>
               <p:ext uri="{D42A27DB-BD31-4B8C-83A1-F6EECF244321}">
-                <p14:modId xmlns:p14="http://schemas.microsoft.com/office/powerpoint/2010/main" val="3624062096"/>
+                <p14:modId xmlns:p14="http://schemas.microsoft.com/office/powerpoint/2010/main" val="412528208"/>
               </p:ext>
             </p:extLst>
           </p:nvPr>
         </p:nvGraphicFramePr>
         <p:xfrm>
-          <a:off x="665684" y="2030818"/>
-          <a:ext cx="8529310" cy="3912783"/>
+          <a:off x="623215" y="2151912"/>
+          <a:ext cx="8529310" cy="3875712"/>
         </p:xfrm>
         <a:graphic>
           <a:graphicData uri="http://schemas.openxmlformats.org/drawingml/2006/table">
@@ -17733,7 +17777,7 @@
                   </a:ext>
                 </a:extLst>
               </a:tr>
-              <a:tr h="774529">
+              <a:tr h="737458">
                 <a:tc>
                   <a:txBody>
                     <a:bodyPr/>
@@ -17831,6 +17875,9 @@
                       </a:r>
                       <a:r>
                         <a:rPr lang="en-US" sz="1200" b="1" kern="100" dirty="0" err="1">
+                          <a:solidFill>
+                            <a:srgbClr val="0000FF"/>
+                          </a:solidFill>
                           <a:effectLst/>
                           <a:latin typeface="+mj-ea"/>
                           <a:ea typeface="+mj-ea"/>
@@ -17839,6 +17886,9 @@
                       </a:r>
                       <a:r>
                         <a:rPr lang="en-US" sz="1200" b="1" kern="100" dirty="0">
+                          <a:solidFill>
+                            <a:srgbClr val="0000FF"/>
+                          </a:solidFill>
                           <a:effectLst/>
                           <a:latin typeface="+mj-ea"/>
                           <a:ea typeface="+mj-ea"/>
@@ -17847,6 +17897,9 @@
                       </a:r>
                       <a:r>
                         <a:rPr lang="en-US" sz="1200" b="1" kern="100" dirty="0" err="1">
+                          <a:solidFill>
+                            <a:srgbClr val="0000FF"/>
+                          </a:solidFill>
                           <a:effectLst/>
                           <a:latin typeface="+mj-ea"/>
                           <a:ea typeface="+mj-ea"/>
